--- a/Progress report.pptx
+++ b/Progress report.pptx
@@ -5,23 +5,25 @@
     <p:sldMasterId id="2147483648" r:id="rId4"/>
   </p:sldMasterIdLst>
   <p:notesMasterIdLst>
-    <p:notesMasterId r:id="rId16"/>
+    <p:notesMasterId r:id="rId18"/>
   </p:notesMasterIdLst>
   <p:handoutMasterIdLst>
-    <p:handoutMasterId r:id="rId17"/>
+    <p:handoutMasterId r:id="rId19"/>
   </p:handoutMasterIdLst>
   <p:sldIdLst>
     <p:sldId id="310" r:id="rId5"/>
-    <p:sldId id="306" r:id="rId6"/>
-    <p:sldId id="315" r:id="rId7"/>
-    <p:sldId id="317" r:id="rId8"/>
-    <p:sldId id="323" r:id="rId9"/>
-    <p:sldId id="320" r:id="rId10"/>
-    <p:sldId id="324" r:id="rId11"/>
-    <p:sldId id="325" r:id="rId12"/>
-    <p:sldId id="326" r:id="rId13"/>
-    <p:sldId id="327" r:id="rId14"/>
-    <p:sldId id="305" r:id="rId15"/>
+    <p:sldId id="329" r:id="rId6"/>
+    <p:sldId id="331" r:id="rId7"/>
+    <p:sldId id="306" r:id="rId8"/>
+    <p:sldId id="315" r:id="rId9"/>
+    <p:sldId id="317" r:id="rId10"/>
+    <p:sldId id="323" r:id="rId11"/>
+    <p:sldId id="320" r:id="rId12"/>
+    <p:sldId id="324" r:id="rId13"/>
+    <p:sldId id="325" r:id="rId14"/>
+    <p:sldId id="326" r:id="rId15"/>
+    <p:sldId id="327" r:id="rId16"/>
+    <p:sldId id="305" r:id="rId17"/>
   </p:sldIdLst>
   <p:sldSz cx="12192000" cy="6858000"/>
   <p:notesSz cx="6858000" cy="9144000"/>
@@ -231,7 +233,7 @@
           <a:p>
             <a:fld id="{86252186-C111-43A8-A0F7-F77FFDE4DF82}" type="datetimeFigureOut">
               <a:rPr lang="en-US" smtClean="0"/>
-              <a:t>11/12/2024</a:t>
+              <a:t>11/13/2024</a:t>
             </a:fld>
             <a:endParaRPr lang="en-US" dirty="0"/>
           </a:p>
@@ -408,7 +410,7 @@
           <a:p>
             <a:fld id="{7E2BBB5B-F3DE-41D7-B279-483D20E8E363}" type="datetimeFigureOut">
               <a:rPr lang="en-US" smtClean="0"/>
-              <a:t>11/12/2024</a:t>
+              <a:t>11/13/2024</a:t>
             </a:fld>
             <a:endParaRPr lang="en-US" dirty="0"/>
           </a:p>
@@ -5940,7 +5942,7 @@
             </a:br>
             <a:r>
               <a:rPr lang="en-US" dirty="0"/>
-              <a:t>Group ?</a:t>
+              <a:t>Group 24</a:t>
             </a:r>
           </a:p>
         </p:txBody>
@@ -5980,7 +5982,7 @@
           <p:cNvPr id="2" name="Title 1">
             <a:extLst>
               <a:ext uri="{FF2B5EF4-FFF2-40B4-BE49-F238E27FC236}">
-                <a16:creationId xmlns:a16="http://schemas.microsoft.com/office/drawing/2014/main" id="{492A7D0F-CAFA-4E22-A2F5-C6AADE5FCFDC}"/>
+                <a16:creationId xmlns:a16="http://schemas.microsoft.com/office/drawing/2014/main" id="{6199344A-C1F3-478F-AC5C-34C7BC48CD3C}"/>
               </a:ext>
             </a:extLst>
           </p:cNvPr>
@@ -5998,25 +6000,33 @@
           <a:p>
             <a:r>
               <a:rPr lang="en-US" dirty="0"/>
-              <a:t>Future plans</a:t>
-            </a:r>
-          </a:p>
-        </p:txBody>
-      </p:sp>
-      <p:sp>
-        <p:nvSpPr>
-          <p:cNvPr id="3" name="Content Placeholder 2">
-            <a:extLst>
-              <a:ext uri="{FF2B5EF4-FFF2-40B4-BE49-F238E27FC236}">
-                <a16:creationId xmlns:a16="http://schemas.microsoft.com/office/drawing/2014/main" id="{54A46D0B-DBF9-464B-BB99-A7AFCBD49879}"/>
-              </a:ext>
-            </a:extLst>
-          </p:cNvPr>
-          <p:cNvSpPr>
-            <a:spLocks noGrp="1"/>
-          </p:cNvSpPr>
-          <p:nvPr>
-            <p:ph sz="quarter" idx="10"/>
+              <a:t>Sub-</a:t>
+            </a:r>
+            <a:r>
+              <a:rPr lang="en-US" dirty="0" err="1"/>
+              <a:t>DATAset</a:t>
+            </a:r>
+            <a:r>
+              <a:rPr lang="en-US" dirty="0"/>
+              <a:t> Properties</a:t>
+            </a:r>
+          </a:p>
+        </p:txBody>
+      </p:sp>
+      <p:sp>
+        <p:nvSpPr>
+          <p:cNvPr id="3" name="Text Placeholder 2">
+            <a:extLst>
+              <a:ext uri="{FF2B5EF4-FFF2-40B4-BE49-F238E27FC236}">
+                <a16:creationId xmlns:a16="http://schemas.microsoft.com/office/drawing/2014/main" id="{4C4C42E5-C6D1-4E45-AEFD-3D678BC2045C}"/>
+              </a:ext>
+            </a:extLst>
+          </p:cNvPr>
+          <p:cNvSpPr>
+            <a:spLocks noGrp="1"/>
+          </p:cNvSpPr>
+          <p:nvPr>
+            <p:ph type="body" sz="quarter" idx="16"/>
           </p:nvPr>
         </p:nvSpPr>
         <p:spPr/>
@@ -6026,6 +6036,805 @@
           <a:p>
             <a:r>
               <a:rPr lang="en-US" dirty="0"/>
+              <a:t>videos_info.csv: Information of the videos in the trending list</a:t>
+            </a:r>
+          </a:p>
+        </p:txBody>
+      </p:sp>
+      <p:graphicFrame>
+        <p:nvGraphicFramePr>
+          <p:cNvPr id="6" name="Table 6">
+            <a:extLst>
+              <a:ext uri="{FF2B5EF4-FFF2-40B4-BE49-F238E27FC236}">
+                <a16:creationId xmlns:a16="http://schemas.microsoft.com/office/drawing/2014/main" id="{A17A8422-55D6-4F17-8350-E77B1F57DA1E}"/>
+              </a:ext>
+            </a:extLst>
+          </p:cNvPr>
+          <p:cNvGraphicFramePr>
+            <a:graphicFrameLocks noGrp="1"/>
+          </p:cNvGraphicFramePr>
+          <p:nvPr>
+            <p:ph sz="quarter" idx="15"/>
+            <p:extLst>
+              <p:ext uri="{D42A27DB-BD31-4B8C-83A1-F6EECF244321}">
+                <p14:modId xmlns:p14="http://schemas.microsoft.com/office/powerpoint/2010/main" val="174404304"/>
+              </p:ext>
+            </p:extLst>
+          </p:nvPr>
+        </p:nvGraphicFramePr>
+        <p:xfrm>
+          <a:off x="5503051" y="797560"/>
+          <a:ext cx="6292850" cy="5262880"/>
+        </p:xfrm>
+        <a:graphic>
+          <a:graphicData uri="http://schemas.openxmlformats.org/drawingml/2006/table">
+            <a:tbl>
+              <a:tblPr firstRow="1" bandRow="1">
+                <a:tableStyleId>{9DCAF9ED-07DC-4A11-8D7F-57B35C25682E}</a:tableStyleId>
+              </a:tblPr>
+              <a:tblGrid>
+                <a:gridCol w="1764302">
+                  <a:extLst>
+                    <a:ext uri="{9D8B030D-6E8A-4147-A177-3AD203B41FA5}">
+                      <a16:colId xmlns:a16="http://schemas.microsoft.com/office/drawing/2014/main" val="2385613756"/>
+                    </a:ext>
+                  </a:extLst>
+                </a:gridCol>
+                <a:gridCol w="4528548">
+                  <a:extLst>
+                    <a:ext uri="{9D8B030D-6E8A-4147-A177-3AD203B41FA5}">
+                      <a16:colId xmlns:a16="http://schemas.microsoft.com/office/drawing/2014/main" val="4062891391"/>
+                    </a:ext>
+                  </a:extLst>
+                </a:gridCol>
+              </a:tblGrid>
+              <a:tr h="370840">
+                <a:tc>
+                  <a:txBody>
+                    <a:bodyPr/>
+                    <a:lstStyle/>
+                    <a:p>
+                      <a:r>
+                        <a:rPr lang="en-US" sz="1400" dirty="0"/>
+                        <a:t>Column name</a:t>
+                      </a:r>
+                    </a:p>
+                  </a:txBody>
+                  <a:tcPr/>
+                </a:tc>
+                <a:tc>
+                  <a:txBody>
+                    <a:bodyPr/>
+                    <a:lstStyle/>
+                    <a:p>
+                      <a:r>
+                        <a:rPr lang="en-US" sz="1400" dirty="0"/>
+                        <a:t>Purpose</a:t>
+                      </a:r>
+                    </a:p>
+                  </a:txBody>
+                  <a:tcPr/>
+                </a:tc>
+                <a:extLst>
+                  <a:ext uri="{0D108BD9-81ED-4DB2-BD59-A6C34878D82A}">
+                    <a16:rowId xmlns:a16="http://schemas.microsoft.com/office/drawing/2014/main" val="340241019"/>
+                  </a:ext>
+                </a:extLst>
+              </a:tr>
+              <a:tr h="370840">
+                <a:tc>
+                  <a:txBody>
+                    <a:bodyPr/>
+                    <a:lstStyle/>
+                    <a:p>
+                      <a:r>
+                        <a:rPr lang="en-US" sz="1400" dirty="0"/>
+                        <a:t>title</a:t>
+                      </a:r>
+                    </a:p>
+                  </a:txBody>
+                  <a:tcPr/>
+                </a:tc>
+                <a:tc>
+                  <a:txBody>
+                    <a:bodyPr/>
+                    <a:lstStyle/>
+                    <a:p>
+                      <a:r>
+                        <a:rPr lang="en-US" sz="1400" dirty="0"/>
+                        <a:t>The video title</a:t>
+                      </a:r>
+                    </a:p>
+                  </a:txBody>
+                  <a:tcPr/>
+                </a:tc>
+                <a:extLst>
+                  <a:ext uri="{0D108BD9-81ED-4DB2-BD59-A6C34878D82A}">
+                    <a16:rowId xmlns:a16="http://schemas.microsoft.com/office/drawing/2014/main" val="196236787"/>
+                  </a:ext>
+                </a:extLst>
+              </a:tr>
+              <a:tr h="370840">
+                <a:tc>
+                  <a:txBody>
+                    <a:bodyPr/>
+                    <a:lstStyle/>
+                    <a:p>
+                      <a:r>
+                        <a:rPr lang="en-US" sz="1400" dirty="0" err="1"/>
+                        <a:t>channelTitle</a:t>
+                      </a:r>
+                      <a:endParaRPr lang="en-US" sz="1400" dirty="0"/>
+                    </a:p>
+                  </a:txBody>
+                  <a:tcPr/>
+                </a:tc>
+                <a:tc>
+                  <a:txBody>
+                    <a:bodyPr/>
+                    <a:lstStyle/>
+                    <a:p>
+                      <a:r>
+                        <a:rPr lang="en-US" sz="1400" dirty="0"/>
+                        <a:t>Name of the channel that post the video</a:t>
+                      </a:r>
+                    </a:p>
+                  </a:txBody>
+                  <a:tcPr/>
+                </a:tc>
+                <a:extLst>
+                  <a:ext uri="{0D108BD9-81ED-4DB2-BD59-A6C34878D82A}">
+                    <a16:rowId xmlns:a16="http://schemas.microsoft.com/office/drawing/2014/main" val="953186801"/>
+                  </a:ext>
+                </a:extLst>
+              </a:tr>
+              <a:tr h="370840">
+                <a:tc>
+                  <a:txBody>
+                    <a:bodyPr/>
+                    <a:lstStyle/>
+                    <a:p>
+                      <a:r>
+                        <a:rPr lang="en-US" sz="1400" dirty="0"/>
+                        <a:t>category</a:t>
+                      </a:r>
+                    </a:p>
+                  </a:txBody>
+                  <a:tcPr/>
+                </a:tc>
+                <a:tc>
+                  <a:txBody>
+                    <a:bodyPr/>
+                    <a:lstStyle/>
+                    <a:p>
+                      <a:r>
+                        <a:rPr lang="en-US" sz="1400" dirty="0"/>
+                        <a:t>The video category (1 in 44 standard YouTube categories). </a:t>
+                      </a:r>
+                    </a:p>
+                  </a:txBody>
+                  <a:tcPr/>
+                </a:tc>
+                <a:extLst>
+                  <a:ext uri="{0D108BD9-81ED-4DB2-BD59-A6C34878D82A}">
+                    <a16:rowId xmlns:a16="http://schemas.microsoft.com/office/drawing/2014/main" val="984165485"/>
+                  </a:ext>
+                </a:extLst>
+              </a:tr>
+              <a:tr h="370840">
+                <a:tc>
+                  <a:txBody>
+                    <a:bodyPr/>
+                    <a:lstStyle/>
+                    <a:p>
+                      <a:r>
+                        <a:rPr lang="en-US" sz="1400" dirty="0" err="1"/>
+                        <a:t>channel_country</a:t>
+                      </a:r>
+                      <a:endParaRPr lang="en-US" sz="1400" dirty="0"/>
+                    </a:p>
+                  </a:txBody>
+                  <a:tcPr/>
+                </a:tc>
+                <a:tc>
+                  <a:txBody>
+                    <a:bodyPr/>
+                    <a:lstStyle/>
+                    <a:p>
+                      <a:r>
+                        <a:rPr lang="en-US" sz="1400" dirty="0"/>
+                        <a:t>The home country of the channel</a:t>
+                      </a:r>
+                    </a:p>
+                  </a:txBody>
+                  <a:tcPr/>
+                </a:tc>
+                <a:extLst>
+                  <a:ext uri="{0D108BD9-81ED-4DB2-BD59-A6C34878D82A}">
+                    <a16:rowId xmlns:a16="http://schemas.microsoft.com/office/drawing/2014/main" val="4181376926"/>
+                  </a:ext>
+                </a:extLst>
+              </a:tr>
+              <a:tr h="370840">
+                <a:tc>
+                  <a:txBody>
+                    <a:bodyPr/>
+                    <a:lstStyle/>
+                    <a:p>
+                      <a:r>
+                        <a:rPr lang="en-US" sz="1400" dirty="0"/>
+                        <a:t>date &amp; time</a:t>
+                      </a:r>
+                    </a:p>
+                  </a:txBody>
+                  <a:tcPr/>
+                </a:tc>
+                <a:tc>
+                  <a:txBody>
+                    <a:bodyPr/>
+                    <a:lstStyle/>
+                    <a:p>
+                      <a:r>
+                        <a:rPr lang="en-US" sz="1400" dirty="0"/>
+                        <a:t>Separated </a:t>
+                      </a:r>
+                      <a:r>
+                        <a:rPr lang="en-US" sz="1400" dirty="0" err="1"/>
+                        <a:t>publishedAt</a:t>
+                      </a:r>
+                      <a:r>
+                        <a:rPr lang="en-US" sz="1400" dirty="0"/>
+                        <a:t> column (has date &amp; time) of the video</a:t>
+                      </a:r>
+                    </a:p>
+                  </a:txBody>
+                  <a:tcPr/>
+                </a:tc>
+                <a:extLst>
+                  <a:ext uri="{0D108BD9-81ED-4DB2-BD59-A6C34878D82A}">
+                    <a16:rowId xmlns:a16="http://schemas.microsoft.com/office/drawing/2014/main" val="490601104"/>
+                  </a:ext>
+                </a:extLst>
+              </a:tr>
+              <a:tr h="370840">
+                <a:tc>
+                  <a:txBody>
+                    <a:bodyPr/>
+                    <a:lstStyle/>
+                    <a:p>
+                      <a:r>
+                        <a:rPr lang="en-US" sz="1400" dirty="0"/>
+                        <a:t>duration</a:t>
+                      </a:r>
+                    </a:p>
+                  </a:txBody>
+                  <a:tcPr/>
+                </a:tc>
+                <a:tc>
+                  <a:txBody>
+                    <a:bodyPr/>
+                    <a:lstStyle/>
+                    <a:p>
+                      <a:r>
+                        <a:rPr lang="en-US" sz="1400" dirty="0"/>
+                        <a:t>The duration (in minutes) of the video</a:t>
+                      </a:r>
+                    </a:p>
+                  </a:txBody>
+                  <a:tcPr/>
+                </a:tc>
+                <a:extLst>
+                  <a:ext uri="{0D108BD9-81ED-4DB2-BD59-A6C34878D82A}">
+                    <a16:rowId xmlns:a16="http://schemas.microsoft.com/office/drawing/2014/main" val="1656508653"/>
+                  </a:ext>
+                </a:extLst>
+              </a:tr>
+              <a:tr h="370840">
+                <a:tc>
+                  <a:txBody>
+                    <a:bodyPr/>
+                    <a:lstStyle/>
+                    <a:p>
+                      <a:r>
+                        <a:rPr lang="en-US" sz="1400" dirty="0" err="1"/>
+                        <a:t>view_count</a:t>
+                      </a:r>
+                      <a:endParaRPr lang="en-US" sz="1400" dirty="0"/>
+                    </a:p>
+                  </a:txBody>
+                  <a:tcPr/>
+                </a:tc>
+                <a:tc>
+                  <a:txBody>
+                    <a:bodyPr/>
+                    <a:lstStyle/>
+                    <a:p>
+                      <a:r>
+                        <a:rPr lang="en-US" sz="1400" dirty="0"/>
+                        <a:t>The view count of the video</a:t>
+                      </a:r>
+                    </a:p>
+                  </a:txBody>
+                  <a:tcPr/>
+                </a:tc>
+                <a:extLst>
+                  <a:ext uri="{0D108BD9-81ED-4DB2-BD59-A6C34878D82A}">
+                    <a16:rowId xmlns:a16="http://schemas.microsoft.com/office/drawing/2014/main" val="2472109147"/>
+                  </a:ext>
+                </a:extLst>
+              </a:tr>
+              <a:tr h="370840">
+                <a:tc>
+                  <a:txBody>
+                    <a:bodyPr/>
+                    <a:lstStyle/>
+                    <a:p>
+                      <a:r>
+                        <a:rPr lang="en-US" sz="1400" dirty="0"/>
+                        <a:t>likes</a:t>
+                      </a:r>
+                    </a:p>
+                  </a:txBody>
+                  <a:tcPr/>
+                </a:tc>
+                <a:tc>
+                  <a:txBody>
+                    <a:bodyPr/>
+                    <a:lstStyle/>
+                    <a:p>
+                      <a:r>
+                        <a:rPr lang="en-US" sz="1400" dirty="0"/>
+                        <a:t>The number of likes in the video</a:t>
+                      </a:r>
+                    </a:p>
+                  </a:txBody>
+                  <a:tcPr/>
+                </a:tc>
+                <a:extLst>
+                  <a:ext uri="{0D108BD9-81ED-4DB2-BD59-A6C34878D82A}">
+                    <a16:rowId xmlns:a16="http://schemas.microsoft.com/office/drawing/2014/main" val="1870753424"/>
+                  </a:ext>
+                </a:extLst>
+              </a:tr>
+              <a:tr h="370840">
+                <a:tc>
+                  <a:txBody>
+                    <a:bodyPr/>
+                    <a:lstStyle/>
+                    <a:p>
+                      <a:r>
+                        <a:rPr lang="en-US" sz="1400" dirty="0" err="1"/>
+                        <a:t>comment_count</a:t>
+                      </a:r>
+                      <a:endParaRPr lang="en-US" sz="1400" dirty="0"/>
+                    </a:p>
+                  </a:txBody>
+                  <a:tcPr/>
+                </a:tc>
+                <a:tc>
+                  <a:txBody>
+                    <a:bodyPr/>
+                    <a:lstStyle/>
+                    <a:p>
+                      <a:r>
+                        <a:rPr lang="en-US" sz="1400" dirty="0"/>
+                        <a:t>The number of comments in the video</a:t>
+                      </a:r>
+                    </a:p>
+                  </a:txBody>
+                  <a:tcPr/>
+                </a:tc>
+                <a:extLst>
+                  <a:ext uri="{0D108BD9-81ED-4DB2-BD59-A6C34878D82A}">
+                    <a16:rowId xmlns:a16="http://schemas.microsoft.com/office/drawing/2014/main" val="2453223914"/>
+                  </a:ext>
+                </a:extLst>
+              </a:tr>
+              <a:tr h="370840">
+                <a:tc>
+                  <a:txBody>
+                    <a:bodyPr/>
+                    <a:lstStyle/>
+                    <a:p>
+                      <a:r>
+                        <a:rPr lang="en-US" sz="1400" dirty="0" err="1"/>
+                        <a:t>engagement_rate</a:t>
+                      </a:r>
+                      <a:endParaRPr lang="en-US" sz="1400" dirty="0"/>
+                    </a:p>
+                  </a:txBody>
+                  <a:tcPr/>
+                </a:tc>
+                <a:tc>
+                  <a:txBody>
+                    <a:bodyPr/>
+                    <a:lstStyle/>
+                    <a:p>
+                      <a:r>
+                        <a:rPr lang="en-US" sz="1400" dirty="0"/>
+                        <a:t>The </a:t>
+                      </a:r>
+                      <a:r>
+                        <a:rPr lang="en-US" sz="1400" dirty="0" err="1"/>
+                        <a:t>engagement_rate</a:t>
+                      </a:r>
+                      <a:r>
+                        <a:rPr lang="en-US" sz="1400" dirty="0"/>
+                        <a:t> of the video (likes + </a:t>
+                      </a:r>
+                      <a:r>
+                        <a:rPr lang="en-US" sz="1400" dirty="0" err="1"/>
+                        <a:t>comment_count</a:t>
+                      </a:r>
+                      <a:r>
+                        <a:rPr lang="en-US" sz="1400" dirty="0"/>
+                        <a:t> / </a:t>
+                      </a:r>
+                      <a:r>
+                        <a:rPr lang="en-US" sz="1400" dirty="0" err="1"/>
+                        <a:t>view_count</a:t>
+                      </a:r>
+                      <a:r>
+                        <a:rPr lang="en-US" sz="1400" dirty="0"/>
+                        <a:t>)</a:t>
+                      </a:r>
+                    </a:p>
+                  </a:txBody>
+                  <a:tcPr/>
+                </a:tc>
+                <a:extLst>
+                  <a:ext uri="{0D108BD9-81ED-4DB2-BD59-A6C34878D82A}">
+                    <a16:rowId xmlns:a16="http://schemas.microsoft.com/office/drawing/2014/main" val="2461717651"/>
+                  </a:ext>
+                </a:extLst>
+              </a:tr>
+              <a:tr h="370840">
+                <a:tc>
+                  <a:txBody>
+                    <a:bodyPr/>
+                    <a:lstStyle/>
+                    <a:p>
+                      <a:r>
+                        <a:rPr lang="en-US" sz="1400" dirty="0"/>
+                        <a:t>tags</a:t>
+                      </a:r>
+                    </a:p>
+                  </a:txBody>
+                  <a:tcPr/>
+                </a:tc>
+                <a:tc>
+                  <a:txBody>
+                    <a:bodyPr/>
+                    <a:lstStyle/>
+                    <a:p>
+                      <a:r>
+                        <a:rPr lang="en-US" sz="1400" dirty="0"/>
+                        <a:t>The tags of the video</a:t>
+                      </a:r>
+                    </a:p>
+                  </a:txBody>
+                  <a:tcPr/>
+                </a:tc>
+                <a:extLst>
+                  <a:ext uri="{0D108BD9-81ED-4DB2-BD59-A6C34878D82A}">
+                    <a16:rowId xmlns:a16="http://schemas.microsoft.com/office/drawing/2014/main" val="1611879648"/>
+                  </a:ext>
+                </a:extLst>
+              </a:tr>
+              <a:tr h="370840">
+                <a:tc>
+                  <a:txBody>
+                    <a:bodyPr/>
+                    <a:lstStyle/>
+                    <a:p>
+                      <a:r>
+                        <a:rPr lang="en-US" sz="1400" dirty="0"/>
+                        <a:t>description</a:t>
+                      </a:r>
+                    </a:p>
+                  </a:txBody>
+                  <a:tcPr/>
+                </a:tc>
+                <a:tc>
+                  <a:txBody>
+                    <a:bodyPr/>
+                    <a:lstStyle/>
+                    <a:p>
+                      <a:r>
+                        <a:rPr lang="en-US" sz="1400" dirty="0"/>
+                        <a:t>The video description</a:t>
+                      </a:r>
+                    </a:p>
+                  </a:txBody>
+                  <a:tcPr/>
+                </a:tc>
+                <a:extLst>
+                  <a:ext uri="{0D108BD9-81ED-4DB2-BD59-A6C34878D82A}">
+                    <a16:rowId xmlns:a16="http://schemas.microsoft.com/office/drawing/2014/main" val="3336042472"/>
+                  </a:ext>
+                </a:extLst>
+              </a:tr>
+            </a:tbl>
+          </a:graphicData>
+        </a:graphic>
+      </p:graphicFrame>
+    </p:spTree>
+    <p:extLst>
+      <p:ext uri="{BB962C8B-B14F-4D97-AF65-F5344CB8AC3E}">
+        <p14:creationId xmlns:p14="http://schemas.microsoft.com/office/powerpoint/2010/main" val="124726760"/>
+      </p:ext>
+    </p:extLst>
+  </p:cSld>
+  <p:clrMapOvr>
+    <a:masterClrMapping/>
+  </p:clrMapOvr>
+</p:sld>
+</file>
+
+<file path=ppt/slides/slide11.xml><?xml version="1.0" encoding="utf-8"?>
+<p:sld xmlns:a="http://schemas.openxmlformats.org/drawingml/2006/main" xmlns:r="http://schemas.openxmlformats.org/officeDocument/2006/relationships" xmlns:p="http://schemas.openxmlformats.org/presentationml/2006/main">
+  <p:cSld>
+    <p:spTree>
+      <p:nvGrpSpPr>
+        <p:cNvPr id="1" name=""/>
+        <p:cNvGrpSpPr/>
+        <p:nvPr/>
+      </p:nvGrpSpPr>
+      <p:grpSpPr>
+        <a:xfrm>
+          <a:off x="0" y="0"/>
+          <a:ext cx="0" cy="0"/>
+          <a:chOff x="0" y="0"/>
+          <a:chExt cx="0" cy="0"/>
+        </a:xfrm>
+      </p:grpSpPr>
+      <p:sp>
+        <p:nvSpPr>
+          <p:cNvPr id="2" name="Title 1">
+            <a:extLst>
+              <a:ext uri="{FF2B5EF4-FFF2-40B4-BE49-F238E27FC236}">
+                <a16:creationId xmlns:a16="http://schemas.microsoft.com/office/drawing/2014/main" id="{6C69E773-35EC-4480-9C09-227FAD6B400E}"/>
+              </a:ext>
+            </a:extLst>
+          </p:cNvPr>
+          <p:cNvSpPr>
+            <a:spLocks noGrp="1"/>
+          </p:cNvSpPr>
+          <p:nvPr>
+            <p:ph type="title"/>
+          </p:nvPr>
+        </p:nvSpPr>
+        <p:spPr>
+          <a:xfrm>
+            <a:off x="838200" y="846286"/>
+            <a:ext cx="10505281" cy="537651"/>
+          </a:xfrm>
+        </p:spPr>
+        <p:txBody>
+          <a:bodyPr/>
+          <a:lstStyle/>
+          <a:p>
+            <a:r>
+              <a:rPr lang="en-US" dirty="0" err="1"/>
+              <a:t>Videos_info</a:t>
+            </a:r>
+            <a:r>
+              <a:rPr lang="en-US" dirty="0"/>
+              <a:t> Dataset sample (US)</a:t>
+            </a:r>
+          </a:p>
+        </p:txBody>
+      </p:sp>
+      <p:sp>
+        <p:nvSpPr>
+          <p:cNvPr id="5" name="Title 1">
+            <a:extLst>
+              <a:ext uri="{FF2B5EF4-FFF2-40B4-BE49-F238E27FC236}">
+                <a16:creationId xmlns:a16="http://schemas.microsoft.com/office/drawing/2014/main" id="{19CC9CFA-22F7-4024-83E4-89B63F802C49}"/>
+              </a:ext>
+            </a:extLst>
+          </p:cNvPr>
+          <p:cNvSpPr txBox="1">
+            <a:spLocks/>
+          </p:cNvSpPr>
+          <p:nvPr/>
+        </p:nvSpPr>
+        <p:spPr>
+          <a:xfrm>
+            <a:off x="932121" y="4795820"/>
+            <a:ext cx="10515600" cy="1215894"/>
+          </a:xfrm>
+          <a:prstGeom prst="rect">
+            <a:avLst/>
+          </a:prstGeom>
+        </p:spPr>
+        <p:txBody>
+          <a:bodyPr anchor="b"/>
+          <a:lstStyle>
+            <a:lvl1pPr algn="ctr" defTabSz="914400" rtl="0" eaLnBrk="1" latinLnBrk="0" hangingPunct="1">
+              <a:lnSpc>
+                <a:spcPct val="90000"/>
+              </a:lnSpc>
+              <a:spcBef>
+                <a:spcPct val="0"/>
+              </a:spcBef>
+              <a:buNone/>
+              <a:defRPr sz="2400" kern="1200" cap="all" spc="100" baseline="0">
+                <a:solidFill>
+                  <a:schemeClr val="tx2"/>
+                </a:solidFill>
+                <a:latin typeface="+mj-lt"/>
+                <a:ea typeface="+mj-ea"/>
+                <a:cs typeface="+mj-cs"/>
+              </a:defRPr>
+            </a:lvl1pPr>
+          </a:lstStyle>
+          <a:p>
+            <a:endParaRPr lang="en-US" dirty="0"/>
+          </a:p>
+        </p:txBody>
+      </p:sp>
+      <p:sp>
+        <p:nvSpPr>
+          <p:cNvPr id="7" name="TextBox 6">
+            <a:extLst>
+              <a:ext uri="{FF2B5EF4-FFF2-40B4-BE49-F238E27FC236}">
+                <a16:creationId xmlns:a16="http://schemas.microsoft.com/office/drawing/2014/main" id="{AECF2803-952A-4FDC-8BB3-79CFE5AA8203}"/>
+              </a:ext>
+            </a:extLst>
+          </p:cNvPr>
+          <p:cNvSpPr txBox="1"/>
+          <p:nvPr/>
+        </p:nvSpPr>
+        <p:spPr>
+          <a:xfrm>
+            <a:off x="838194" y="5152732"/>
+            <a:ext cx="10505281" cy="1200329"/>
+          </a:xfrm>
+          <a:prstGeom prst="rect">
+            <a:avLst/>
+          </a:prstGeom>
+          <a:noFill/>
+        </p:spPr>
+        <p:txBody>
+          <a:bodyPr wrap="square" rtlCol="0">
+            <a:spAutoFit/>
+          </a:bodyPr>
+          <a:lstStyle/>
+          <a:p>
+            <a:pPr algn="ctr"/>
+            <a:r>
+              <a:rPr lang="en-US" i="1" dirty="0"/>
+              <a:t>The “description” column is not shown because we separated it out for further procession using some NLP tools (summarization)</a:t>
+            </a:r>
+          </a:p>
+          <a:p>
+            <a:pPr algn="ctr"/>
+            <a:r>
+              <a:rPr lang="en-US" i="1" dirty="0"/>
+              <a:t>Dataset in pre-procession. Please consider this as initial reference only.</a:t>
+            </a:r>
+          </a:p>
+          <a:p>
+            <a:pPr algn="ctr"/>
+            <a:r>
+              <a:rPr lang="en-US" i="1" dirty="0"/>
+              <a:t>The finalized datasets can be considerably different from these samples. </a:t>
+            </a:r>
+          </a:p>
+        </p:txBody>
+      </p:sp>
+      <p:pic>
+        <p:nvPicPr>
+          <p:cNvPr id="6" name="Picture 5">
+            <a:extLst>
+              <a:ext uri="{FF2B5EF4-FFF2-40B4-BE49-F238E27FC236}">
+                <a16:creationId xmlns:a16="http://schemas.microsoft.com/office/drawing/2014/main" id="{6ACCF611-E385-4CC8-8A25-13BB89604C92}"/>
+              </a:ext>
+            </a:extLst>
+          </p:cNvPr>
+          <p:cNvPicPr>
+            <a:picLocks noChangeAspect="1"/>
+          </p:cNvPicPr>
+          <p:nvPr/>
+        </p:nvPicPr>
+        <p:blipFill>
+          <a:blip r:embed="rId2"/>
+          <a:stretch>
+            <a:fillRect/>
+          </a:stretch>
+        </p:blipFill>
+        <p:spPr>
+          <a:xfrm>
+            <a:off x="668231" y="2633274"/>
+            <a:ext cx="10845209" cy="2162546"/>
+          </a:xfrm>
+          <a:prstGeom prst="rect">
+            <a:avLst/>
+          </a:prstGeom>
+        </p:spPr>
+      </p:pic>
+    </p:spTree>
+    <p:extLst>
+      <p:ext uri="{BB962C8B-B14F-4D97-AF65-F5344CB8AC3E}">
+        <p14:creationId xmlns:p14="http://schemas.microsoft.com/office/powerpoint/2010/main" val="4106032498"/>
+      </p:ext>
+    </p:extLst>
+  </p:cSld>
+  <p:clrMapOvr>
+    <a:masterClrMapping/>
+  </p:clrMapOvr>
+</p:sld>
+</file>
+
+<file path=ppt/slides/slide12.xml><?xml version="1.0" encoding="utf-8"?>
+<p:sld xmlns:a="http://schemas.openxmlformats.org/drawingml/2006/main" xmlns:r="http://schemas.openxmlformats.org/officeDocument/2006/relationships" xmlns:p="http://schemas.openxmlformats.org/presentationml/2006/main">
+  <p:cSld>
+    <p:spTree>
+      <p:nvGrpSpPr>
+        <p:cNvPr id="1" name=""/>
+        <p:cNvGrpSpPr/>
+        <p:nvPr/>
+      </p:nvGrpSpPr>
+      <p:grpSpPr>
+        <a:xfrm>
+          <a:off x="0" y="0"/>
+          <a:ext cx="0" cy="0"/>
+          <a:chOff x="0" y="0"/>
+          <a:chExt cx="0" cy="0"/>
+        </a:xfrm>
+      </p:grpSpPr>
+      <p:sp>
+        <p:nvSpPr>
+          <p:cNvPr id="2" name="Title 1">
+            <a:extLst>
+              <a:ext uri="{FF2B5EF4-FFF2-40B4-BE49-F238E27FC236}">
+                <a16:creationId xmlns:a16="http://schemas.microsoft.com/office/drawing/2014/main" id="{492A7D0F-CAFA-4E22-A2F5-C6AADE5FCFDC}"/>
+              </a:ext>
+            </a:extLst>
+          </p:cNvPr>
+          <p:cNvSpPr>
+            <a:spLocks noGrp="1"/>
+          </p:cNvSpPr>
+          <p:nvPr>
+            <p:ph type="title"/>
+          </p:nvPr>
+        </p:nvSpPr>
+        <p:spPr/>
+        <p:txBody>
+          <a:bodyPr/>
+          <a:lstStyle/>
+          <a:p>
+            <a:r>
+              <a:rPr lang="en-US" dirty="0"/>
+              <a:t>Future plans &amp; objectives</a:t>
+            </a:r>
+          </a:p>
+        </p:txBody>
+      </p:sp>
+      <p:sp>
+        <p:nvSpPr>
+          <p:cNvPr id="3" name="Content Placeholder 2">
+            <a:extLst>
+              <a:ext uri="{FF2B5EF4-FFF2-40B4-BE49-F238E27FC236}">
+                <a16:creationId xmlns:a16="http://schemas.microsoft.com/office/drawing/2014/main" id="{54A46D0B-DBF9-464B-BB99-A7AFCBD49879}"/>
+              </a:ext>
+            </a:extLst>
+          </p:cNvPr>
+          <p:cNvSpPr>
+            <a:spLocks noGrp="1"/>
+          </p:cNvSpPr>
+          <p:nvPr>
+            <p:ph sz="quarter" idx="10"/>
+          </p:nvPr>
+        </p:nvSpPr>
+        <p:spPr/>
+        <p:txBody>
+          <a:bodyPr/>
+          <a:lstStyle/>
+          <a:p>
+            <a:r>
+              <a:rPr lang="en-US" dirty="0"/>
               <a:t>We will further organize our datasets to make it ready for analysis tasks.</a:t>
             </a:r>
           </a:p>
@@ -6053,6 +6862,12 @@
             <a:r>
               <a:rPr lang="en-US" dirty="0"/>
               <a:t>A prediction tool is currently in production, to estimate whether a certain video has the potential to go viral with the provided properties (title, published time, duration, category, etc.)</a:t>
+            </a:r>
+          </a:p>
+          <a:p>
+            <a:r>
+              <a:rPr lang="en-US" dirty="0"/>
+              <a:t>If time allows us, we will introduce cross-month analysis (the trending page can change drastically within a few weeks)</a:t>
             </a:r>
           </a:p>
         </p:txBody>
@@ -6070,7 +6885,7 @@
 </p:sld>
 </file>
 
-<file path=ppt/slides/slide11.xml><?xml version="1.0" encoding="utf-8"?>
+<file path=ppt/slides/slide13.xml><?xml version="1.0" encoding="utf-8"?>
 <p:sld xmlns:a="http://schemas.openxmlformats.org/drawingml/2006/main" xmlns:r="http://schemas.openxmlformats.org/officeDocument/2006/relationships" xmlns:p="http://schemas.openxmlformats.org/presentationml/2006/main">
   <p:cSld>
     <p:spTree>
@@ -6226,10 +7041,10 @@
       </p:grpSpPr>
       <p:sp>
         <p:nvSpPr>
-          <p:cNvPr id="26" name="Title 25">
-            <a:extLst>
-              <a:ext uri="{FF2B5EF4-FFF2-40B4-BE49-F238E27FC236}">
-                <a16:creationId xmlns:a16="http://schemas.microsoft.com/office/drawing/2014/main" id="{CDA2767E-38F3-49F7-BE02-EA3E6C7C8096}"/>
+          <p:cNvPr id="2" name="Title 1">
+            <a:extLst>
+              <a:ext uri="{FF2B5EF4-FFF2-40B4-BE49-F238E27FC236}">
+                <a16:creationId xmlns:a16="http://schemas.microsoft.com/office/drawing/2014/main" id="{9529FB74-8922-40A7-B8D0-7C3280A1563D}"/>
               </a:ext>
             </a:extLst>
           </p:cNvPr>
@@ -6240,32 +7055,24 @@
             <p:ph type="title"/>
           </p:nvPr>
         </p:nvSpPr>
-        <p:spPr>
-          <a:xfrm>
-            <a:off x="636608" y="804862"/>
-            <a:ext cx="3401992" cy="5121375"/>
-          </a:xfrm>
-          <a:ln>
-            <a:noFill/>
-          </a:ln>
-        </p:spPr>
+        <p:spPr/>
         <p:txBody>
           <a:bodyPr/>
           <a:lstStyle/>
           <a:p>
             <a:r>
               <a:rPr lang="en-US" dirty="0"/>
-              <a:t>About our dataset</a:t>
-            </a:r>
-          </a:p>
-        </p:txBody>
-      </p:sp>
-      <p:sp>
-        <p:nvSpPr>
-          <p:cNvPr id="50" name="Text Placeholder 17">
-            <a:extLst>
-              <a:ext uri="{FF2B5EF4-FFF2-40B4-BE49-F238E27FC236}">
-                <a16:creationId xmlns:a16="http://schemas.microsoft.com/office/drawing/2014/main" id="{62192F0C-65C9-4E6D-9314-81FB7E4DB469}"/>
+              <a:t>Scenario</a:t>
+            </a:r>
+          </a:p>
+        </p:txBody>
+      </p:sp>
+      <p:sp>
+        <p:nvSpPr>
+          <p:cNvPr id="3" name="Content Placeholder 2">
+            <a:extLst>
+              <a:ext uri="{FF2B5EF4-FFF2-40B4-BE49-F238E27FC236}">
+                <a16:creationId xmlns:a16="http://schemas.microsoft.com/office/drawing/2014/main" id="{D68FC429-ABA3-4BC8-932D-26EAACC06809}"/>
               </a:ext>
             </a:extLst>
           </p:cNvPr>
@@ -6276,33 +7083,64 @@
             <p:ph sz="quarter" idx="10"/>
           </p:nvPr>
         </p:nvSpPr>
-        <p:spPr>
-          <a:xfrm>
-            <a:off x="5579338" y="804863"/>
-            <a:ext cx="5716587" cy="5248276"/>
-          </a:xfrm>
-        </p:spPr>
-        <p:txBody>
-          <a:bodyPr anchor="ctr"/>
+        <p:spPr/>
+        <p:txBody>
+          <a:bodyPr/>
           <a:lstStyle/>
           <a:p>
             <a:r>
               <a:rPr lang="en-US" dirty="0"/>
-              <a:t>To ensure correct process of the text columns, we choose 5 English-speaking countries to perform analysis: Australia (AU), Canada (CA), Great Britain (UK), United States (US), and India (IN) (Indian contents (title, description, etc. are mostly English)</a:t>
-            </a:r>
-          </a:p>
-          <a:p>
-            <a:r>
-              <a:rPr lang="en-US" dirty="0"/>
-              <a:t>We have finished fetching the data for each country, pre-processing is still under way.</a:t>
-            </a:r>
+              <a:t>YouTube is currently the most famous video-streaming platform, receiving billions of views and video uploads every-day.</a:t>
+            </a:r>
+          </a:p>
+          <a:p>
+            <a:r>
+              <a:rPr lang="en-US" dirty="0"/>
+              <a:t>We will delve into the statistics the most trending videos on YouTube (fetched from YouTube’s Trending Videos page) in an effort to identify the factors that influence YouTube trends, as well as how YouTube’s algorithm works.</a:t>
+            </a:r>
+          </a:p>
+          <a:p>
+            <a:r>
+              <a:rPr lang="en-US" dirty="0"/>
+              <a:t>This may give us a brief overview into what is trending today, what can influence our minds the most, etc.</a:t>
+            </a:r>
+          </a:p>
+        </p:txBody>
+      </p:sp>
+      <p:sp>
+        <p:nvSpPr>
+          <p:cNvPr id="4" name="Slide Number Placeholder 3">
+            <a:extLst>
+              <a:ext uri="{FF2B5EF4-FFF2-40B4-BE49-F238E27FC236}">
+                <a16:creationId xmlns:a16="http://schemas.microsoft.com/office/drawing/2014/main" id="{608963A9-CEFB-4CFE-B97F-269BFFFF50F8}"/>
+              </a:ext>
+            </a:extLst>
+          </p:cNvPr>
+          <p:cNvSpPr>
+            <a:spLocks noGrp="1"/>
+          </p:cNvSpPr>
+          <p:nvPr>
+            <p:ph type="sldNum" sz="quarter" idx="4"/>
+          </p:nvPr>
+        </p:nvSpPr>
+        <p:spPr/>
+        <p:txBody>
+          <a:bodyPr/>
+          <a:lstStyle/>
+          <a:p>
+            <a:fld id="{EA87306C-81BA-4795-A5CA-9392456A8C1E}" type="slidenum">
+              <a:rPr lang="en-US" smtClean="0"/>
+              <a:pPr/>
+              <a:t>2</a:t>
+            </a:fld>
+            <a:endParaRPr lang="en-US" dirty="0"/>
           </a:p>
         </p:txBody>
       </p:sp>
     </p:spTree>
     <p:extLst>
       <p:ext uri="{BB962C8B-B14F-4D97-AF65-F5344CB8AC3E}">
-        <p14:creationId xmlns:p14="http://schemas.microsoft.com/office/powerpoint/2010/main" val="654652765"/>
+        <p14:creationId xmlns:p14="http://schemas.microsoft.com/office/powerpoint/2010/main" val="1067596495"/>
       </p:ext>
     </p:extLst>
   </p:cSld>
@@ -6331,6 +7169,280 @@
       </p:grpSpPr>
       <p:sp>
         <p:nvSpPr>
+          <p:cNvPr id="2" name="Title 1">
+            <a:extLst>
+              <a:ext uri="{FF2B5EF4-FFF2-40B4-BE49-F238E27FC236}">
+                <a16:creationId xmlns:a16="http://schemas.microsoft.com/office/drawing/2014/main" id="{DD840139-E934-4247-83E3-6F79B294A3DC}"/>
+              </a:ext>
+            </a:extLst>
+          </p:cNvPr>
+          <p:cNvSpPr>
+            <a:spLocks noGrp="1"/>
+          </p:cNvSpPr>
+          <p:nvPr>
+            <p:ph type="title"/>
+          </p:nvPr>
+        </p:nvSpPr>
+        <p:spPr/>
+        <p:txBody>
+          <a:bodyPr/>
+          <a:lstStyle/>
+          <a:p>
+            <a:r>
+              <a:rPr lang="en-US" dirty="0"/>
+              <a:t>The </a:t>
+            </a:r>
+            <a:r>
+              <a:rPr lang="en-US" dirty="0" err="1"/>
+              <a:t>youtube</a:t>
+            </a:r>
+            <a:r>
+              <a:rPr lang="en-US" dirty="0"/>
+              <a:t> trending page</a:t>
+            </a:r>
+          </a:p>
+        </p:txBody>
+      </p:sp>
+      <p:sp>
+        <p:nvSpPr>
+          <p:cNvPr id="3" name="Text Placeholder 2">
+            <a:extLst>
+              <a:ext uri="{FF2B5EF4-FFF2-40B4-BE49-F238E27FC236}">
+                <a16:creationId xmlns:a16="http://schemas.microsoft.com/office/drawing/2014/main" id="{FA3226DA-62A2-49A5-9A4B-F3BDC5461421}"/>
+              </a:ext>
+            </a:extLst>
+          </p:cNvPr>
+          <p:cNvSpPr>
+            <a:spLocks noGrp="1"/>
+          </p:cNvSpPr>
+          <p:nvPr>
+            <p:ph type="body" sz="quarter" idx="16"/>
+          </p:nvPr>
+        </p:nvSpPr>
+        <p:spPr/>
+        <p:txBody>
+          <a:bodyPr/>
+          <a:lstStyle/>
+          <a:p>
+            <a:r>
+              <a:rPr lang="en-US" dirty="0"/>
+              <a:t>Website directory: </a:t>
+            </a:r>
+            <a:r>
+              <a:rPr lang="en-US" dirty="0">
+                <a:hlinkClick r:id="rId2"/>
+              </a:rPr>
+              <a:t>https://www.youtube.com/feed/trending</a:t>
+            </a:r>
+            <a:r>
+              <a:rPr lang="en-US" dirty="0"/>
+              <a:t>? </a:t>
+            </a:r>
+          </a:p>
+          <a:p>
+            <a:r>
+              <a:rPr lang="en-US" dirty="0"/>
+              <a:t>The displayed videos will vary depending on the territory YouTube is accessed in.</a:t>
+            </a:r>
+          </a:p>
+        </p:txBody>
+      </p:sp>
+      <p:pic>
+        <p:nvPicPr>
+          <p:cNvPr id="7" name="Content Placeholder 6">
+            <a:extLst>
+              <a:ext uri="{FF2B5EF4-FFF2-40B4-BE49-F238E27FC236}">
+                <a16:creationId xmlns:a16="http://schemas.microsoft.com/office/drawing/2014/main" id="{6AD31B53-DC6B-4879-96FE-DA56BEF9EDAC}"/>
+              </a:ext>
+            </a:extLst>
+          </p:cNvPr>
+          <p:cNvPicPr>
+            <a:picLocks noGrp="1" noChangeAspect="1"/>
+          </p:cNvPicPr>
+          <p:nvPr>
+            <p:ph sz="quarter" idx="15"/>
+          </p:nvPr>
+        </p:nvPicPr>
+        <p:blipFill>
+          <a:blip r:embed="rId3"/>
+          <a:stretch>
+            <a:fillRect/>
+          </a:stretch>
+        </p:blipFill>
+        <p:spPr>
+          <a:xfrm>
+            <a:off x="5221288" y="936615"/>
+            <a:ext cx="6292850" cy="5133995"/>
+          </a:xfrm>
+        </p:spPr>
+      </p:pic>
+      <p:sp>
+        <p:nvSpPr>
+          <p:cNvPr id="5" name="Slide Number Placeholder 4">
+            <a:extLst>
+              <a:ext uri="{FF2B5EF4-FFF2-40B4-BE49-F238E27FC236}">
+                <a16:creationId xmlns:a16="http://schemas.microsoft.com/office/drawing/2014/main" id="{7B462013-16DF-45E8-BE0D-7BC8D9ED72A0}"/>
+              </a:ext>
+            </a:extLst>
+          </p:cNvPr>
+          <p:cNvSpPr>
+            <a:spLocks noGrp="1"/>
+          </p:cNvSpPr>
+          <p:nvPr>
+            <p:ph type="sldNum" sz="quarter" idx="12"/>
+          </p:nvPr>
+        </p:nvSpPr>
+        <p:spPr/>
+        <p:txBody>
+          <a:bodyPr/>
+          <a:lstStyle/>
+          <a:p>
+            <a:fld id="{EA87306C-81BA-4795-A5CA-9392456A8C1E}" type="slidenum">
+              <a:rPr lang="en-US" smtClean="0"/>
+              <a:pPr/>
+              <a:t>3</a:t>
+            </a:fld>
+            <a:endParaRPr lang="en-US" dirty="0"/>
+          </a:p>
+        </p:txBody>
+      </p:sp>
+    </p:spTree>
+    <p:extLst>
+      <p:ext uri="{BB962C8B-B14F-4D97-AF65-F5344CB8AC3E}">
+        <p14:creationId xmlns:p14="http://schemas.microsoft.com/office/powerpoint/2010/main" val="4122170287"/>
+      </p:ext>
+    </p:extLst>
+  </p:cSld>
+  <p:clrMapOvr>
+    <a:masterClrMapping/>
+  </p:clrMapOvr>
+</p:sld>
+</file>
+
+<file path=ppt/slides/slide4.xml><?xml version="1.0" encoding="utf-8"?>
+<p:sld xmlns:a="http://schemas.openxmlformats.org/drawingml/2006/main" xmlns:r="http://schemas.openxmlformats.org/officeDocument/2006/relationships" xmlns:p="http://schemas.openxmlformats.org/presentationml/2006/main">
+  <p:cSld>
+    <p:spTree>
+      <p:nvGrpSpPr>
+        <p:cNvPr id="1" name=""/>
+        <p:cNvGrpSpPr/>
+        <p:nvPr/>
+      </p:nvGrpSpPr>
+      <p:grpSpPr>
+        <a:xfrm>
+          <a:off x="0" y="0"/>
+          <a:ext cx="0" cy="0"/>
+          <a:chOff x="0" y="0"/>
+          <a:chExt cx="0" cy="0"/>
+        </a:xfrm>
+      </p:grpSpPr>
+      <p:sp>
+        <p:nvSpPr>
+          <p:cNvPr id="26" name="Title 25">
+            <a:extLst>
+              <a:ext uri="{FF2B5EF4-FFF2-40B4-BE49-F238E27FC236}">
+                <a16:creationId xmlns:a16="http://schemas.microsoft.com/office/drawing/2014/main" id="{CDA2767E-38F3-49F7-BE02-EA3E6C7C8096}"/>
+              </a:ext>
+            </a:extLst>
+          </p:cNvPr>
+          <p:cNvSpPr>
+            <a:spLocks noGrp="1"/>
+          </p:cNvSpPr>
+          <p:nvPr>
+            <p:ph type="title"/>
+          </p:nvPr>
+        </p:nvSpPr>
+        <p:spPr>
+          <a:xfrm>
+            <a:off x="636608" y="804862"/>
+            <a:ext cx="3401992" cy="5121375"/>
+          </a:xfrm>
+          <a:ln>
+            <a:noFill/>
+          </a:ln>
+        </p:spPr>
+        <p:txBody>
+          <a:bodyPr/>
+          <a:lstStyle/>
+          <a:p>
+            <a:r>
+              <a:rPr lang="en-US" dirty="0"/>
+              <a:t>About our dataset</a:t>
+            </a:r>
+          </a:p>
+        </p:txBody>
+      </p:sp>
+      <p:sp>
+        <p:nvSpPr>
+          <p:cNvPr id="50" name="Text Placeholder 17">
+            <a:extLst>
+              <a:ext uri="{FF2B5EF4-FFF2-40B4-BE49-F238E27FC236}">
+                <a16:creationId xmlns:a16="http://schemas.microsoft.com/office/drawing/2014/main" id="{62192F0C-65C9-4E6D-9314-81FB7E4DB469}"/>
+              </a:ext>
+            </a:extLst>
+          </p:cNvPr>
+          <p:cNvSpPr>
+            <a:spLocks noGrp="1"/>
+          </p:cNvSpPr>
+          <p:nvPr>
+            <p:ph sz="quarter" idx="10"/>
+          </p:nvPr>
+        </p:nvSpPr>
+        <p:spPr>
+          <a:xfrm>
+            <a:off x="5579338" y="804863"/>
+            <a:ext cx="5716587" cy="5248276"/>
+          </a:xfrm>
+        </p:spPr>
+        <p:txBody>
+          <a:bodyPr anchor="ctr"/>
+          <a:lstStyle/>
+          <a:p>
+            <a:r>
+              <a:rPr lang="en-US" dirty="0"/>
+              <a:t>To ensure correct process of the text columns, we choose 5 English-speaking countries to perform analysis: Australia (AU), Canada (CA), Great Britain (UK), United States (US), and India (IN) (Indian contents (title, description, etc. are mostly English)</a:t>
+            </a:r>
+          </a:p>
+          <a:p>
+            <a:r>
+              <a:rPr lang="en-US" dirty="0"/>
+              <a:t>We have finished fetching the data for each country, pre-processing is still under way.</a:t>
+            </a:r>
+          </a:p>
+        </p:txBody>
+      </p:sp>
+    </p:spTree>
+    <p:extLst>
+      <p:ext uri="{BB962C8B-B14F-4D97-AF65-F5344CB8AC3E}">
+        <p14:creationId xmlns:p14="http://schemas.microsoft.com/office/powerpoint/2010/main" val="654652765"/>
+      </p:ext>
+    </p:extLst>
+  </p:cSld>
+  <p:clrMapOvr>
+    <a:masterClrMapping/>
+  </p:clrMapOvr>
+</p:sld>
+</file>
+
+<file path=ppt/slides/slide5.xml><?xml version="1.0" encoding="utf-8"?>
+<p:sld xmlns:a="http://schemas.openxmlformats.org/drawingml/2006/main" xmlns:r="http://schemas.openxmlformats.org/officeDocument/2006/relationships" xmlns:p="http://schemas.openxmlformats.org/presentationml/2006/main">
+  <p:cSld>
+    <p:spTree>
+      <p:nvGrpSpPr>
+        <p:cNvPr id="1" name=""/>
+        <p:cNvGrpSpPr/>
+        <p:nvPr/>
+      </p:nvGrpSpPr>
+      <p:grpSpPr>
+        <a:xfrm>
+          <a:off x="0" y="0"/>
+          <a:ext cx="0" cy="0"/>
+          <a:chOff x="0" y="0"/>
+          <a:chExt cx="0" cy="0"/>
+        </a:xfrm>
+      </p:grpSpPr>
+      <p:sp>
+        <p:nvSpPr>
           <p:cNvPr id="26" name="Title 25">
             <a:extLst>
               <a:ext uri="{FF2B5EF4-FFF2-40B4-BE49-F238E27FC236}">
@@ -6411,7 +7523,7 @@
 </p:sld>
 </file>
 
-<file path=ppt/slides/slide4.xml><?xml version="1.0" encoding="utf-8"?>
+<file path=ppt/slides/slide6.xml><?xml version="1.0" encoding="utf-8"?>
 <p:sld xmlns:a="http://schemas.openxmlformats.org/drawingml/2006/main" xmlns:r="http://schemas.openxmlformats.org/officeDocument/2006/relationships" xmlns:p="http://schemas.openxmlformats.org/presentationml/2006/main">
   <p:cSld>
     <p:spTree>
@@ -7038,7 +8150,7 @@
 </p:sld>
 </file>
 
-<file path=ppt/slides/slide5.xml><?xml version="1.0" encoding="utf-8"?>
+<file path=ppt/slides/slide7.xml><?xml version="1.0" encoding="utf-8"?>
 <p:sld xmlns:a="http://schemas.openxmlformats.org/drawingml/2006/main" xmlns:r="http://schemas.openxmlformats.org/officeDocument/2006/relationships" xmlns:p="http://schemas.openxmlformats.org/presentationml/2006/main">
   <p:cSld>
     <p:spTree>
@@ -7222,7 +8334,7 @@
 </p:sld>
 </file>
 
-<file path=ppt/slides/slide6.xml><?xml version="1.0" encoding="utf-8"?>
+<file path=ppt/slides/slide8.xml><?xml version="1.0" encoding="utf-8"?>
 <p:sld xmlns:a="http://schemas.openxmlformats.org/drawingml/2006/main" xmlns:r="http://schemas.openxmlformats.org/officeDocument/2006/relationships" xmlns:p="http://schemas.openxmlformats.org/presentationml/2006/main">
   <p:cSld>
     <p:spTree>
@@ -7261,19 +8373,16 @@
           <a:lstStyle/>
           <a:p>
             <a:r>
+              <a:rPr lang="en-US" dirty="0"/>
+              <a:t>Sub-</a:t>
+            </a:r>
+            <a:r>
               <a:rPr lang="en-US" dirty="0" err="1"/>
               <a:t>DATAset</a:t>
             </a:r>
             <a:r>
               <a:rPr lang="en-US" dirty="0"/>
               <a:t> Properties</a:t>
-            </a:r>
-            <a:br>
-              <a:rPr lang="en-US" dirty="0"/>
-            </a:br>
-            <a:r>
-              <a:rPr lang="en-US" dirty="0"/>
-              <a:t>(pre-processed #1)</a:t>
             </a:r>
           </a:p>
         </p:txBody>
@@ -7572,7 +8681,7 @@
 </p:sld>
 </file>
 
-<file path=ppt/slides/slide7.xml><?xml version="1.0" encoding="utf-8"?>
+<file path=ppt/slides/slide9.xml><?xml version="1.0" encoding="utf-8"?>
 <p:sld xmlns:a="http://schemas.openxmlformats.org/drawingml/2006/main" xmlns:r="http://schemas.openxmlformats.org/officeDocument/2006/relationships" xmlns:p="http://schemas.openxmlformats.org/presentationml/2006/main">
   <p:cSld>
     <p:spTree>
@@ -7777,816 +8886,6 @@
     <p:extLst>
       <p:ext uri="{BB962C8B-B14F-4D97-AF65-F5344CB8AC3E}">
         <p14:creationId xmlns:p14="http://schemas.microsoft.com/office/powerpoint/2010/main" val="895612299"/>
-      </p:ext>
-    </p:extLst>
-  </p:cSld>
-  <p:clrMapOvr>
-    <a:masterClrMapping/>
-  </p:clrMapOvr>
-</p:sld>
-</file>
-
-<file path=ppt/slides/slide8.xml><?xml version="1.0" encoding="utf-8"?>
-<p:sld xmlns:a="http://schemas.openxmlformats.org/drawingml/2006/main" xmlns:r="http://schemas.openxmlformats.org/officeDocument/2006/relationships" xmlns:p="http://schemas.openxmlformats.org/presentationml/2006/main">
-  <p:cSld>
-    <p:spTree>
-      <p:nvGrpSpPr>
-        <p:cNvPr id="1" name=""/>
-        <p:cNvGrpSpPr/>
-        <p:nvPr/>
-      </p:nvGrpSpPr>
-      <p:grpSpPr>
-        <a:xfrm>
-          <a:off x="0" y="0"/>
-          <a:ext cx="0" cy="0"/>
-          <a:chOff x="0" y="0"/>
-          <a:chExt cx="0" cy="0"/>
-        </a:xfrm>
-      </p:grpSpPr>
-      <p:sp>
-        <p:nvSpPr>
-          <p:cNvPr id="2" name="Title 1">
-            <a:extLst>
-              <a:ext uri="{FF2B5EF4-FFF2-40B4-BE49-F238E27FC236}">
-                <a16:creationId xmlns:a16="http://schemas.microsoft.com/office/drawing/2014/main" id="{6199344A-C1F3-478F-AC5C-34C7BC48CD3C}"/>
-              </a:ext>
-            </a:extLst>
-          </p:cNvPr>
-          <p:cNvSpPr>
-            <a:spLocks noGrp="1"/>
-          </p:cNvSpPr>
-          <p:nvPr>
-            <p:ph type="title"/>
-          </p:nvPr>
-        </p:nvSpPr>
-        <p:spPr/>
-        <p:txBody>
-          <a:bodyPr/>
-          <a:lstStyle/>
-          <a:p>
-            <a:r>
-              <a:rPr lang="en-US" dirty="0" err="1"/>
-              <a:t>DATAset</a:t>
-            </a:r>
-            <a:r>
-              <a:rPr lang="en-US" dirty="0"/>
-              <a:t> Properties</a:t>
-            </a:r>
-            <a:br>
-              <a:rPr lang="en-US" dirty="0"/>
-            </a:br>
-            <a:r>
-              <a:rPr lang="en-US" dirty="0"/>
-              <a:t>(pre-processed #1)</a:t>
-            </a:r>
-          </a:p>
-        </p:txBody>
-      </p:sp>
-      <p:sp>
-        <p:nvSpPr>
-          <p:cNvPr id="3" name="Text Placeholder 2">
-            <a:extLst>
-              <a:ext uri="{FF2B5EF4-FFF2-40B4-BE49-F238E27FC236}">
-                <a16:creationId xmlns:a16="http://schemas.microsoft.com/office/drawing/2014/main" id="{4C4C42E5-C6D1-4E45-AEFD-3D678BC2045C}"/>
-              </a:ext>
-            </a:extLst>
-          </p:cNvPr>
-          <p:cNvSpPr>
-            <a:spLocks noGrp="1"/>
-          </p:cNvSpPr>
-          <p:nvPr>
-            <p:ph type="body" sz="quarter" idx="16"/>
-          </p:nvPr>
-        </p:nvSpPr>
-        <p:spPr/>
-        <p:txBody>
-          <a:bodyPr/>
-          <a:lstStyle/>
-          <a:p>
-            <a:r>
-              <a:rPr lang="en-US" dirty="0"/>
-              <a:t>videos_info.csv: Information of the videos in the trending list</a:t>
-            </a:r>
-          </a:p>
-        </p:txBody>
-      </p:sp>
-      <p:graphicFrame>
-        <p:nvGraphicFramePr>
-          <p:cNvPr id="6" name="Table 6">
-            <a:extLst>
-              <a:ext uri="{FF2B5EF4-FFF2-40B4-BE49-F238E27FC236}">
-                <a16:creationId xmlns:a16="http://schemas.microsoft.com/office/drawing/2014/main" id="{A17A8422-55D6-4F17-8350-E77B1F57DA1E}"/>
-              </a:ext>
-            </a:extLst>
-          </p:cNvPr>
-          <p:cNvGraphicFramePr>
-            <a:graphicFrameLocks noGrp="1"/>
-          </p:cNvGraphicFramePr>
-          <p:nvPr>
-            <p:ph sz="quarter" idx="15"/>
-            <p:extLst>
-              <p:ext uri="{D42A27DB-BD31-4B8C-83A1-F6EECF244321}">
-                <p14:modId xmlns:p14="http://schemas.microsoft.com/office/powerpoint/2010/main" val="174404304"/>
-              </p:ext>
-            </p:extLst>
-          </p:nvPr>
-        </p:nvGraphicFramePr>
-        <p:xfrm>
-          <a:off x="5503051" y="797560"/>
-          <a:ext cx="6292850" cy="5262880"/>
-        </p:xfrm>
-        <a:graphic>
-          <a:graphicData uri="http://schemas.openxmlformats.org/drawingml/2006/table">
-            <a:tbl>
-              <a:tblPr firstRow="1" bandRow="1">
-                <a:tableStyleId>{9DCAF9ED-07DC-4A11-8D7F-57B35C25682E}</a:tableStyleId>
-              </a:tblPr>
-              <a:tblGrid>
-                <a:gridCol w="1764302">
-                  <a:extLst>
-                    <a:ext uri="{9D8B030D-6E8A-4147-A177-3AD203B41FA5}">
-                      <a16:colId xmlns:a16="http://schemas.microsoft.com/office/drawing/2014/main" val="2385613756"/>
-                    </a:ext>
-                  </a:extLst>
-                </a:gridCol>
-                <a:gridCol w="4528548">
-                  <a:extLst>
-                    <a:ext uri="{9D8B030D-6E8A-4147-A177-3AD203B41FA5}">
-                      <a16:colId xmlns:a16="http://schemas.microsoft.com/office/drawing/2014/main" val="4062891391"/>
-                    </a:ext>
-                  </a:extLst>
-                </a:gridCol>
-              </a:tblGrid>
-              <a:tr h="370840">
-                <a:tc>
-                  <a:txBody>
-                    <a:bodyPr/>
-                    <a:lstStyle/>
-                    <a:p>
-                      <a:r>
-                        <a:rPr lang="en-US" sz="1400" dirty="0"/>
-                        <a:t>Column name</a:t>
-                      </a:r>
-                    </a:p>
-                  </a:txBody>
-                  <a:tcPr/>
-                </a:tc>
-                <a:tc>
-                  <a:txBody>
-                    <a:bodyPr/>
-                    <a:lstStyle/>
-                    <a:p>
-                      <a:r>
-                        <a:rPr lang="en-US" sz="1400" dirty="0"/>
-                        <a:t>Purpose</a:t>
-                      </a:r>
-                    </a:p>
-                  </a:txBody>
-                  <a:tcPr/>
-                </a:tc>
-                <a:extLst>
-                  <a:ext uri="{0D108BD9-81ED-4DB2-BD59-A6C34878D82A}">
-                    <a16:rowId xmlns:a16="http://schemas.microsoft.com/office/drawing/2014/main" val="340241019"/>
-                  </a:ext>
-                </a:extLst>
-              </a:tr>
-              <a:tr h="370840">
-                <a:tc>
-                  <a:txBody>
-                    <a:bodyPr/>
-                    <a:lstStyle/>
-                    <a:p>
-                      <a:r>
-                        <a:rPr lang="en-US" sz="1400" dirty="0"/>
-                        <a:t>title</a:t>
-                      </a:r>
-                    </a:p>
-                  </a:txBody>
-                  <a:tcPr/>
-                </a:tc>
-                <a:tc>
-                  <a:txBody>
-                    <a:bodyPr/>
-                    <a:lstStyle/>
-                    <a:p>
-                      <a:r>
-                        <a:rPr lang="en-US" sz="1400" dirty="0"/>
-                        <a:t>The video title</a:t>
-                      </a:r>
-                    </a:p>
-                  </a:txBody>
-                  <a:tcPr/>
-                </a:tc>
-                <a:extLst>
-                  <a:ext uri="{0D108BD9-81ED-4DB2-BD59-A6C34878D82A}">
-                    <a16:rowId xmlns:a16="http://schemas.microsoft.com/office/drawing/2014/main" val="196236787"/>
-                  </a:ext>
-                </a:extLst>
-              </a:tr>
-              <a:tr h="370840">
-                <a:tc>
-                  <a:txBody>
-                    <a:bodyPr/>
-                    <a:lstStyle/>
-                    <a:p>
-                      <a:r>
-                        <a:rPr lang="en-US" sz="1400" dirty="0" err="1"/>
-                        <a:t>channelTitle</a:t>
-                      </a:r>
-                      <a:endParaRPr lang="en-US" sz="1400" dirty="0"/>
-                    </a:p>
-                  </a:txBody>
-                  <a:tcPr/>
-                </a:tc>
-                <a:tc>
-                  <a:txBody>
-                    <a:bodyPr/>
-                    <a:lstStyle/>
-                    <a:p>
-                      <a:r>
-                        <a:rPr lang="en-US" sz="1400" dirty="0"/>
-                        <a:t>Name of the channel that post the video</a:t>
-                      </a:r>
-                    </a:p>
-                  </a:txBody>
-                  <a:tcPr/>
-                </a:tc>
-                <a:extLst>
-                  <a:ext uri="{0D108BD9-81ED-4DB2-BD59-A6C34878D82A}">
-                    <a16:rowId xmlns:a16="http://schemas.microsoft.com/office/drawing/2014/main" val="953186801"/>
-                  </a:ext>
-                </a:extLst>
-              </a:tr>
-              <a:tr h="370840">
-                <a:tc>
-                  <a:txBody>
-                    <a:bodyPr/>
-                    <a:lstStyle/>
-                    <a:p>
-                      <a:r>
-                        <a:rPr lang="en-US" sz="1400" dirty="0"/>
-                        <a:t>category</a:t>
-                      </a:r>
-                    </a:p>
-                  </a:txBody>
-                  <a:tcPr/>
-                </a:tc>
-                <a:tc>
-                  <a:txBody>
-                    <a:bodyPr/>
-                    <a:lstStyle/>
-                    <a:p>
-                      <a:r>
-                        <a:rPr lang="en-US" sz="1400" dirty="0"/>
-                        <a:t>The video category (1 in 44 standard YouTube categories). </a:t>
-                      </a:r>
-                    </a:p>
-                  </a:txBody>
-                  <a:tcPr/>
-                </a:tc>
-                <a:extLst>
-                  <a:ext uri="{0D108BD9-81ED-4DB2-BD59-A6C34878D82A}">
-                    <a16:rowId xmlns:a16="http://schemas.microsoft.com/office/drawing/2014/main" val="984165485"/>
-                  </a:ext>
-                </a:extLst>
-              </a:tr>
-              <a:tr h="370840">
-                <a:tc>
-                  <a:txBody>
-                    <a:bodyPr/>
-                    <a:lstStyle/>
-                    <a:p>
-                      <a:r>
-                        <a:rPr lang="en-US" sz="1400" dirty="0" err="1"/>
-                        <a:t>channel_country</a:t>
-                      </a:r>
-                      <a:endParaRPr lang="en-US" sz="1400" dirty="0"/>
-                    </a:p>
-                  </a:txBody>
-                  <a:tcPr/>
-                </a:tc>
-                <a:tc>
-                  <a:txBody>
-                    <a:bodyPr/>
-                    <a:lstStyle/>
-                    <a:p>
-                      <a:r>
-                        <a:rPr lang="en-US" sz="1400" dirty="0"/>
-                        <a:t>The home country of the channel</a:t>
-                      </a:r>
-                    </a:p>
-                  </a:txBody>
-                  <a:tcPr/>
-                </a:tc>
-                <a:extLst>
-                  <a:ext uri="{0D108BD9-81ED-4DB2-BD59-A6C34878D82A}">
-                    <a16:rowId xmlns:a16="http://schemas.microsoft.com/office/drawing/2014/main" val="4181376926"/>
-                  </a:ext>
-                </a:extLst>
-              </a:tr>
-              <a:tr h="370840">
-                <a:tc>
-                  <a:txBody>
-                    <a:bodyPr/>
-                    <a:lstStyle/>
-                    <a:p>
-                      <a:r>
-                        <a:rPr lang="en-US" sz="1400" dirty="0"/>
-                        <a:t>date &amp; time</a:t>
-                      </a:r>
-                    </a:p>
-                  </a:txBody>
-                  <a:tcPr/>
-                </a:tc>
-                <a:tc>
-                  <a:txBody>
-                    <a:bodyPr/>
-                    <a:lstStyle/>
-                    <a:p>
-                      <a:r>
-                        <a:rPr lang="en-US" sz="1400" dirty="0"/>
-                        <a:t>Separated </a:t>
-                      </a:r>
-                      <a:r>
-                        <a:rPr lang="en-US" sz="1400" dirty="0" err="1"/>
-                        <a:t>publishedAt</a:t>
-                      </a:r>
-                      <a:r>
-                        <a:rPr lang="en-US" sz="1400" dirty="0"/>
-                        <a:t> column (has date &amp; time) of the video</a:t>
-                      </a:r>
-                    </a:p>
-                  </a:txBody>
-                  <a:tcPr/>
-                </a:tc>
-                <a:extLst>
-                  <a:ext uri="{0D108BD9-81ED-4DB2-BD59-A6C34878D82A}">
-                    <a16:rowId xmlns:a16="http://schemas.microsoft.com/office/drawing/2014/main" val="490601104"/>
-                  </a:ext>
-                </a:extLst>
-              </a:tr>
-              <a:tr h="370840">
-                <a:tc>
-                  <a:txBody>
-                    <a:bodyPr/>
-                    <a:lstStyle/>
-                    <a:p>
-                      <a:r>
-                        <a:rPr lang="en-US" sz="1400" dirty="0"/>
-                        <a:t>duration</a:t>
-                      </a:r>
-                    </a:p>
-                  </a:txBody>
-                  <a:tcPr/>
-                </a:tc>
-                <a:tc>
-                  <a:txBody>
-                    <a:bodyPr/>
-                    <a:lstStyle/>
-                    <a:p>
-                      <a:r>
-                        <a:rPr lang="en-US" sz="1400" dirty="0"/>
-                        <a:t>The duration (in minutes) of the video</a:t>
-                      </a:r>
-                    </a:p>
-                  </a:txBody>
-                  <a:tcPr/>
-                </a:tc>
-                <a:extLst>
-                  <a:ext uri="{0D108BD9-81ED-4DB2-BD59-A6C34878D82A}">
-                    <a16:rowId xmlns:a16="http://schemas.microsoft.com/office/drawing/2014/main" val="1656508653"/>
-                  </a:ext>
-                </a:extLst>
-              </a:tr>
-              <a:tr h="370840">
-                <a:tc>
-                  <a:txBody>
-                    <a:bodyPr/>
-                    <a:lstStyle/>
-                    <a:p>
-                      <a:r>
-                        <a:rPr lang="en-US" sz="1400" dirty="0" err="1"/>
-                        <a:t>view_count</a:t>
-                      </a:r>
-                      <a:endParaRPr lang="en-US" sz="1400" dirty="0"/>
-                    </a:p>
-                  </a:txBody>
-                  <a:tcPr/>
-                </a:tc>
-                <a:tc>
-                  <a:txBody>
-                    <a:bodyPr/>
-                    <a:lstStyle/>
-                    <a:p>
-                      <a:r>
-                        <a:rPr lang="en-US" sz="1400" dirty="0"/>
-                        <a:t>The view count of the video</a:t>
-                      </a:r>
-                    </a:p>
-                  </a:txBody>
-                  <a:tcPr/>
-                </a:tc>
-                <a:extLst>
-                  <a:ext uri="{0D108BD9-81ED-4DB2-BD59-A6C34878D82A}">
-                    <a16:rowId xmlns:a16="http://schemas.microsoft.com/office/drawing/2014/main" val="2472109147"/>
-                  </a:ext>
-                </a:extLst>
-              </a:tr>
-              <a:tr h="370840">
-                <a:tc>
-                  <a:txBody>
-                    <a:bodyPr/>
-                    <a:lstStyle/>
-                    <a:p>
-                      <a:r>
-                        <a:rPr lang="en-US" sz="1400" dirty="0"/>
-                        <a:t>likes</a:t>
-                      </a:r>
-                    </a:p>
-                  </a:txBody>
-                  <a:tcPr/>
-                </a:tc>
-                <a:tc>
-                  <a:txBody>
-                    <a:bodyPr/>
-                    <a:lstStyle/>
-                    <a:p>
-                      <a:r>
-                        <a:rPr lang="en-US" sz="1400" dirty="0"/>
-                        <a:t>The number of likes in the video</a:t>
-                      </a:r>
-                    </a:p>
-                  </a:txBody>
-                  <a:tcPr/>
-                </a:tc>
-                <a:extLst>
-                  <a:ext uri="{0D108BD9-81ED-4DB2-BD59-A6C34878D82A}">
-                    <a16:rowId xmlns:a16="http://schemas.microsoft.com/office/drawing/2014/main" val="1870753424"/>
-                  </a:ext>
-                </a:extLst>
-              </a:tr>
-              <a:tr h="370840">
-                <a:tc>
-                  <a:txBody>
-                    <a:bodyPr/>
-                    <a:lstStyle/>
-                    <a:p>
-                      <a:r>
-                        <a:rPr lang="en-US" sz="1400" dirty="0" err="1"/>
-                        <a:t>comment_count</a:t>
-                      </a:r>
-                      <a:endParaRPr lang="en-US" sz="1400" dirty="0"/>
-                    </a:p>
-                  </a:txBody>
-                  <a:tcPr/>
-                </a:tc>
-                <a:tc>
-                  <a:txBody>
-                    <a:bodyPr/>
-                    <a:lstStyle/>
-                    <a:p>
-                      <a:r>
-                        <a:rPr lang="en-US" sz="1400" dirty="0"/>
-                        <a:t>The number of comments in the video</a:t>
-                      </a:r>
-                    </a:p>
-                  </a:txBody>
-                  <a:tcPr/>
-                </a:tc>
-                <a:extLst>
-                  <a:ext uri="{0D108BD9-81ED-4DB2-BD59-A6C34878D82A}">
-                    <a16:rowId xmlns:a16="http://schemas.microsoft.com/office/drawing/2014/main" val="2453223914"/>
-                  </a:ext>
-                </a:extLst>
-              </a:tr>
-              <a:tr h="370840">
-                <a:tc>
-                  <a:txBody>
-                    <a:bodyPr/>
-                    <a:lstStyle/>
-                    <a:p>
-                      <a:r>
-                        <a:rPr lang="en-US" sz="1400" dirty="0" err="1"/>
-                        <a:t>engagement_rate</a:t>
-                      </a:r>
-                      <a:endParaRPr lang="en-US" sz="1400" dirty="0"/>
-                    </a:p>
-                  </a:txBody>
-                  <a:tcPr/>
-                </a:tc>
-                <a:tc>
-                  <a:txBody>
-                    <a:bodyPr/>
-                    <a:lstStyle/>
-                    <a:p>
-                      <a:r>
-                        <a:rPr lang="en-US" sz="1400" dirty="0"/>
-                        <a:t>The </a:t>
-                      </a:r>
-                      <a:r>
-                        <a:rPr lang="en-US" sz="1400" dirty="0" err="1"/>
-                        <a:t>engagement_rate</a:t>
-                      </a:r>
-                      <a:r>
-                        <a:rPr lang="en-US" sz="1400" dirty="0"/>
-                        <a:t> of the video (likes + </a:t>
-                      </a:r>
-                      <a:r>
-                        <a:rPr lang="en-US" sz="1400" dirty="0" err="1"/>
-                        <a:t>comment_count</a:t>
-                      </a:r>
-                      <a:r>
-                        <a:rPr lang="en-US" sz="1400" dirty="0"/>
-                        <a:t> / </a:t>
-                      </a:r>
-                      <a:r>
-                        <a:rPr lang="en-US" sz="1400" dirty="0" err="1"/>
-                        <a:t>view_count</a:t>
-                      </a:r>
-                      <a:r>
-                        <a:rPr lang="en-US" sz="1400" dirty="0"/>
-                        <a:t>)</a:t>
-                      </a:r>
-                    </a:p>
-                  </a:txBody>
-                  <a:tcPr/>
-                </a:tc>
-                <a:extLst>
-                  <a:ext uri="{0D108BD9-81ED-4DB2-BD59-A6C34878D82A}">
-                    <a16:rowId xmlns:a16="http://schemas.microsoft.com/office/drawing/2014/main" val="2461717651"/>
-                  </a:ext>
-                </a:extLst>
-              </a:tr>
-              <a:tr h="370840">
-                <a:tc>
-                  <a:txBody>
-                    <a:bodyPr/>
-                    <a:lstStyle/>
-                    <a:p>
-                      <a:r>
-                        <a:rPr lang="en-US" sz="1400" dirty="0"/>
-                        <a:t>tags</a:t>
-                      </a:r>
-                    </a:p>
-                  </a:txBody>
-                  <a:tcPr/>
-                </a:tc>
-                <a:tc>
-                  <a:txBody>
-                    <a:bodyPr/>
-                    <a:lstStyle/>
-                    <a:p>
-                      <a:r>
-                        <a:rPr lang="en-US" sz="1400" dirty="0"/>
-                        <a:t>The tags of the video</a:t>
-                      </a:r>
-                    </a:p>
-                  </a:txBody>
-                  <a:tcPr/>
-                </a:tc>
-                <a:extLst>
-                  <a:ext uri="{0D108BD9-81ED-4DB2-BD59-A6C34878D82A}">
-                    <a16:rowId xmlns:a16="http://schemas.microsoft.com/office/drawing/2014/main" val="1611879648"/>
-                  </a:ext>
-                </a:extLst>
-              </a:tr>
-              <a:tr h="370840">
-                <a:tc>
-                  <a:txBody>
-                    <a:bodyPr/>
-                    <a:lstStyle/>
-                    <a:p>
-                      <a:r>
-                        <a:rPr lang="en-US" sz="1400" dirty="0"/>
-                        <a:t>description</a:t>
-                      </a:r>
-                    </a:p>
-                  </a:txBody>
-                  <a:tcPr/>
-                </a:tc>
-                <a:tc>
-                  <a:txBody>
-                    <a:bodyPr/>
-                    <a:lstStyle/>
-                    <a:p>
-                      <a:r>
-                        <a:rPr lang="en-US" sz="1400" dirty="0"/>
-                        <a:t>The video description</a:t>
-                      </a:r>
-                    </a:p>
-                  </a:txBody>
-                  <a:tcPr/>
-                </a:tc>
-                <a:extLst>
-                  <a:ext uri="{0D108BD9-81ED-4DB2-BD59-A6C34878D82A}">
-                    <a16:rowId xmlns:a16="http://schemas.microsoft.com/office/drawing/2014/main" val="3336042472"/>
-                  </a:ext>
-                </a:extLst>
-              </a:tr>
-            </a:tbl>
-          </a:graphicData>
-        </a:graphic>
-      </p:graphicFrame>
-    </p:spTree>
-    <p:extLst>
-      <p:ext uri="{BB962C8B-B14F-4D97-AF65-F5344CB8AC3E}">
-        <p14:creationId xmlns:p14="http://schemas.microsoft.com/office/powerpoint/2010/main" val="124726760"/>
-      </p:ext>
-    </p:extLst>
-  </p:cSld>
-  <p:clrMapOvr>
-    <a:masterClrMapping/>
-  </p:clrMapOvr>
-</p:sld>
-</file>
-
-<file path=ppt/slides/slide9.xml><?xml version="1.0" encoding="utf-8"?>
-<p:sld xmlns:a="http://schemas.openxmlformats.org/drawingml/2006/main" xmlns:r="http://schemas.openxmlformats.org/officeDocument/2006/relationships" xmlns:p="http://schemas.openxmlformats.org/presentationml/2006/main">
-  <p:cSld>
-    <p:spTree>
-      <p:nvGrpSpPr>
-        <p:cNvPr id="1" name=""/>
-        <p:cNvGrpSpPr/>
-        <p:nvPr/>
-      </p:nvGrpSpPr>
-      <p:grpSpPr>
-        <a:xfrm>
-          <a:off x="0" y="0"/>
-          <a:ext cx="0" cy="0"/>
-          <a:chOff x="0" y="0"/>
-          <a:chExt cx="0" cy="0"/>
-        </a:xfrm>
-      </p:grpSpPr>
-      <p:sp>
-        <p:nvSpPr>
-          <p:cNvPr id="2" name="Title 1">
-            <a:extLst>
-              <a:ext uri="{FF2B5EF4-FFF2-40B4-BE49-F238E27FC236}">
-                <a16:creationId xmlns:a16="http://schemas.microsoft.com/office/drawing/2014/main" id="{6C69E773-35EC-4480-9C09-227FAD6B400E}"/>
-              </a:ext>
-            </a:extLst>
-          </p:cNvPr>
-          <p:cNvSpPr>
-            <a:spLocks noGrp="1"/>
-          </p:cNvSpPr>
-          <p:nvPr>
-            <p:ph type="title"/>
-          </p:nvPr>
-        </p:nvSpPr>
-        <p:spPr>
-          <a:xfrm>
-            <a:off x="838200" y="846286"/>
-            <a:ext cx="10505281" cy="537651"/>
-          </a:xfrm>
-        </p:spPr>
-        <p:txBody>
-          <a:bodyPr/>
-          <a:lstStyle/>
-          <a:p>
-            <a:r>
-              <a:rPr lang="en-US" dirty="0" err="1"/>
-              <a:t>Videos_info</a:t>
-            </a:r>
-            <a:r>
-              <a:rPr lang="en-US" dirty="0"/>
-              <a:t> Dataset sample (US)</a:t>
-            </a:r>
-          </a:p>
-        </p:txBody>
-      </p:sp>
-      <p:sp>
-        <p:nvSpPr>
-          <p:cNvPr id="5" name="Title 1">
-            <a:extLst>
-              <a:ext uri="{FF2B5EF4-FFF2-40B4-BE49-F238E27FC236}">
-                <a16:creationId xmlns:a16="http://schemas.microsoft.com/office/drawing/2014/main" id="{19CC9CFA-22F7-4024-83E4-89B63F802C49}"/>
-              </a:ext>
-            </a:extLst>
-          </p:cNvPr>
-          <p:cNvSpPr txBox="1">
-            <a:spLocks/>
-          </p:cNvSpPr>
-          <p:nvPr/>
-        </p:nvSpPr>
-        <p:spPr>
-          <a:xfrm>
-            <a:off x="932121" y="4795820"/>
-            <a:ext cx="10515600" cy="1215894"/>
-          </a:xfrm>
-          <a:prstGeom prst="rect">
-            <a:avLst/>
-          </a:prstGeom>
-        </p:spPr>
-        <p:txBody>
-          <a:bodyPr anchor="b"/>
-          <a:lstStyle>
-            <a:lvl1pPr algn="ctr" defTabSz="914400" rtl="0" eaLnBrk="1" latinLnBrk="0" hangingPunct="1">
-              <a:lnSpc>
-                <a:spcPct val="90000"/>
-              </a:lnSpc>
-              <a:spcBef>
-                <a:spcPct val="0"/>
-              </a:spcBef>
-              <a:buNone/>
-              <a:defRPr sz="2400" kern="1200" cap="all" spc="100" baseline="0">
-                <a:solidFill>
-                  <a:schemeClr val="tx2"/>
-                </a:solidFill>
-                <a:latin typeface="+mj-lt"/>
-                <a:ea typeface="+mj-ea"/>
-                <a:cs typeface="+mj-cs"/>
-              </a:defRPr>
-            </a:lvl1pPr>
-          </a:lstStyle>
-          <a:p>
-            <a:endParaRPr lang="en-US" dirty="0"/>
-          </a:p>
-        </p:txBody>
-      </p:sp>
-      <p:sp>
-        <p:nvSpPr>
-          <p:cNvPr id="7" name="TextBox 6">
-            <a:extLst>
-              <a:ext uri="{FF2B5EF4-FFF2-40B4-BE49-F238E27FC236}">
-                <a16:creationId xmlns:a16="http://schemas.microsoft.com/office/drawing/2014/main" id="{AECF2803-952A-4FDC-8BB3-79CFE5AA8203}"/>
-              </a:ext>
-            </a:extLst>
-          </p:cNvPr>
-          <p:cNvSpPr txBox="1"/>
-          <p:nvPr/>
-        </p:nvSpPr>
-        <p:spPr>
-          <a:xfrm>
-            <a:off x="838194" y="5152732"/>
-            <a:ext cx="10505281" cy="1200329"/>
-          </a:xfrm>
-          <a:prstGeom prst="rect">
-            <a:avLst/>
-          </a:prstGeom>
-          <a:noFill/>
-        </p:spPr>
-        <p:txBody>
-          <a:bodyPr wrap="square" rtlCol="0">
-            <a:spAutoFit/>
-          </a:bodyPr>
-          <a:lstStyle/>
-          <a:p>
-            <a:pPr algn="ctr"/>
-            <a:r>
-              <a:rPr lang="en-US" i="1" dirty="0"/>
-              <a:t>The “description” column is not shown because we separated it out for further procession using some NLP tools (summarization)</a:t>
-            </a:r>
-          </a:p>
-          <a:p>
-            <a:pPr algn="ctr"/>
-            <a:r>
-              <a:rPr lang="en-US" i="1" dirty="0"/>
-              <a:t>Dataset in pre-procession. Please consider this as initial reference only.</a:t>
-            </a:r>
-          </a:p>
-          <a:p>
-            <a:pPr algn="ctr"/>
-            <a:r>
-              <a:rPr lang="en-US" i="1" dirty="0"/>
-              <a:t>The finalized datasets can be considerably different from these samples. </a:t>
-            </a:r>
-          </a:p>
-        </p:txBody>
-      </p:sp>
-      <p:pic>
-        <p:nvPicPr>
-          <p:cNvPr id="6" name="Picture 5">
-            <a:extLst>
-              <a:ext uri="{FF2B5EF4-FFF2-40B4-BE49-F238E27FC236}">
-                <a16:creationId xmlns:a16="http://schemas.microsoft.com/office/drawing/2014/main" id="{6ACCF611-E385-4CC8-8A25-13BB89604C92}"/>
-              </a:ext>
-            </a:extLst>
-          </p:cNvPr>
-          <p:cNvPicPr>
-            <a:picLocks noChangeAspect="1"/>
-          </p:cNvPicPr>
-          <p:nvPr/>
-        </p:nvPicPr>
-        <p:blipFill>
-          <a:blip r:embed="rId2"/>
-          <a:stretch>
-            <a:fillRect/>
-          </a:stretch>
-        </p:blipFill>
-        <p:spPr>
-          <a:xfrm>
-            <a:off x="668231" y="2633274"/>
-            <a:ext cx="10845209" cy="2162546"/>
-          </a:xfrm>
-          <a:prstGeom prst="rect">
-            <a:avLst/>
-          </a:prstGeom>
-        </p:spPr>
-      </p:pic>
-    </p:spTree>
-    <p:extLst>
-      <p:ext uri="{BB962C8B-B14F-4D97-AF65-F5344CB8AC3E}">
-        <p14:creationId xmlns:p14="http://schemas.microsoft.com/office/powerpoint/2010/main" val="4106032498"/>
       </p:ext>
     </p:extLst>
   </p:cSld>
@@ -9397,6 +9696,26 @@
 </file>
 
 <file path=customXml/item2.xml><?xml version="1.0" encoding="utf-8"?>
+<p:properties xmlns:p="http://schemas.microsoft.com/office/2006/metadata/properties" xmlns:xsi="http://www.w3.org/2001/XMLSchema-instance" xmlns:pc="http://schemas.microsoft.com/office/infopath/2007/PartnerControls">
+  <documentManagement>
+    <_ip_UnifiedCompliancePolicyUIAction xmlns="http://schemas.microsoft.com/sharepoint/v3" xsi:nil="true"/>
+    <Image xmlns="71af3243-3dd4-4a8d-8c0d-dd76da1f02a5">
+      <Url xsi:nil="true"/>
+      <Description xsi:nil="true"/>
+    </Image>
+    <Status xmlns="71af3243-3dd4-4a8d-8c0d-dd76da1f02a5">Not started</Status>
+    <Background xmlns="71af3243-3dd4-4a8d-8c0d-dd76da1f02a5">false</Background>
+    <_ip_UnifiedCompliancePolicyProperties xmlns="http://schemas.microsoft.com/sharepoint/v3" xsi:nil="true"/>
+    <ImageTagsTaxHTField xmlns="71af3243-3dd4-4a8d-8c0d-dd76da1f02a5">
+      <Terms xmlns="http://schemas.microsoft.com/office/infopath/2007/PartnerControls"/>
+    </ImageTagsTaxHTField>
+    <TaxCatchAll xmlns="230e9df3-be65-4c73-a93b-d1236ebd677e" xsi:nil="true"/>
+    <MediaServiceKeyPoints xmlns="71af3243-3dd4-4a8d-8c0d-dd76da1f02a5" xsi:nil="true"/>
+  </documentManagement>
+</p:properties>
+</file>
+
+<file path=customXml/item3.xml><?xml version="1.0" encoding="utf-8"?>
 <ct:contentTypeSchema xmlns:ct="http://schemas.microsoft.com/office/2006/metadata/contentType" xmlns:ma="http://schemas.microsoft.com/office/2006/metadata/properties/metaAttributes" ct:_="" ma:_="" ma:contentTypeName="Document" ma:contentTypeID="0x01010079F111ED35F8CC479449609E8A0923A6" ma:contentTypeVersion="28" ma:contentTypeDescription="Create a new document." ma:contentTypeScope="" ma:versionID="60f5a4f2d2b0abadcf532d48ebf9cb71">
   <xsd:schema xmlns:xsd="http://www.w3.org/2001/XMLSchema" xmlns:xs="http://www.w3.org/2001/XMLSchema" xmlns:p="http://schemas.microsoft.com/office/2006/metadata/properties" xmlns:ns1="http://schemas.microsoft.com/sharepoint/v3" xmlns:ns2="71af3243-3dd4-4a8d-8c0d-dd76da1f02a5" xmlns:ns3="16c05727-aa75-4e4a-9b5f-8a80a1165891" xmlns:ns4="230e9df3-be65-4c73-a93b-d1236ebd677e" targetNamespace="http://schemas.microsoft.com/office/2006/metadata/properties" ma:root="true" ma:fieldsID="7dd78129e6a1811f84807ad11c651531" ns1:_="" ns2:_="" ns3:_="" ns4:_="">
     <xsd:import namespace="http://schemas.microsoft.com/sharepoint/v3"/>
@@ -9708,26 +10027,6 @@
 </ct:contentTypeSchema>
 </file>
 
-<file path=customXml/item3.xml><?xml version="1.0" encoding="utf-8"?>
-<p:properties xmlns:p="http://schemas.microsoft.com/office/2006/metadata/properties" xmlns:xsi="http://www.w3.org/2001/XMLSchema-instance" xmlns:pc="http://schemas.microsoft.com/office/infopath/2007/PartnerControls">
-  <documentManagement>
-    <_ip_UnifiedCompliancePolicyUIAction xmlns="http://schemas.microsoft.com/sharepoint/v3" xsi:nil="true"/>
-    <Image xmlns="71af3243-3dd4-4a8d-8c0d-dd76da1f02a5">
-      <Url xsi:nil="true"/>
-      <Description xsi:nil="true"/>
-    </Image>
-    <Status xmlns="71af3243-3dd4-4a8d-8c0d-dd76da1f02a5">Not started</Status>
-    <Background xmlns="71af3243-3dd4-4a8d-8c0d-dd76da1f02a5">false</Background>
-    <_ip_UnifiedCompliancePolicyProperties xmlns="http://schemas.microsoft.com/sharepoint/v3" xsi:nil="true"/>
-    <ImageTagsTaxHTField xmlns="71af3243-3dd4-4a8d-8c0d-dd76da1f02a5">
-      <Terms xmlns="http://schemas.microsoft.com/office/infopath/2007/PartnerControls"/>
-    </ImageTagsTaxHTField>
-    <TaxCatchAll xmlns="230e9df3-be65-4c73-a93b-d1236ebd677e" xsi:nil="true"/>
-    <MediaServiceKeyPoints xmlns="71af3243-3dd4-4a8d-8c0d-dd76da1f02a5" xsi:nil="true"/>
-  </documentManagement>
-</p:properties>
-</file>
-
 <file path=customXml/itemProps1.xml><?xml version="1.0" encoding="utf-8"?>
 <ds:datastoreItem xmlns:ds="http://schemas.openxmlformats.org/officeDocument/2006/customXml" ds:itemID="{E9424615-5FE5-4F43-AE24-3BC9A0532687}">
   <ds:schemaRefs>
@@ -9737,6 +10036,18 @@
 </file>
 
 <file path=customXml/itemProps2.xml><?xml version="1.0" encoding="utf-8"?>
+<ds:datastoreItem xmlns:ds="http://schemas.openxmlformats.org/officeDocument/2006/customXml" ds:itemID="{AF19A644-6410-4EC7-894C-877E70305DFF}">
+  <ds:schemaRefs>
+    <ds:schemaRef ds:uri="http://schemas.microsoft.com/office/2006/metadata/properties"/>
+    <ds:schemaRef ds:uri="http://schemas.microsoft.com/office/infopath/2007/PartnerControls"/>
+    <ds:schemaRef ds:uri="http://schemas.microsoft.com/sharepoint/v3"/>
+    <ds:schemaRef ds:uri="71af3243-3dd4-4a8d-8c0d-dd76da1f02a5"/>
+    <ds:schemaRef ds:uri="230e9df3-be65-4c73-a93b-d1236ebd677e"/>
+  </ds:schemaRefs>
+</ds:datastoreItem>
+</file>
+
+<file path=customXml/itemProps3.xml><?xml version="1.0" encoding="utf-8"?>
 <ds:datastoreItem xmlns:ds="http://schemas.openxmlformats.org/officeDocument/2006/customXml" ds:itemID="{15AD180A-D253-4F84-BD24-8EE736E6553F}">
   <ds:schemaRefs>
     <ds:schemaRef ds:uri="http://schemas.microsoft.com/office/2006/metadata/contentType"/>
@@ -9757,18 +10068,6 @@
 </ds:datastoreItem>
 </file>
 
-<file path=customXml/itemProps3.xml><?xml version="1.0" encoding="utf-8"?>
-<ds:datastoreItem xmlns:ds="http://schemas.openxmlformats.org/officeDocument/2006/customXml" ds:itemID="{AF19A644-6410-4EC7-894C-877E70305DFF}">
-  <ds:schemaRefs>
-    <ds:schemaRef ds:uri="http://schemas.microsoft.com/office/2006/metadata/properties"/>
-    <ds:schemaRef ds:uri="http://schemas.microsoft.com/office/infopath/2007/PartnerControls"/>
-    <ds:schemaRef ds:uri="http://schemas.microsoft.com/sharepoint/v3"/>
-    <ds:schemaRef ds:uri="71af3243-3dd4-4a8d-8c0d-dd76da1f02a5"/>
-    <ds:schemaRef ds:uri="230e9df3-be65-4c73-a93b-d1236ebd677e"/>
-  </ds:schemaRefs>
-</ds:datastoreItem>
-</file>
-
 <file path=docMetadata/LabelInfo.xml><?xml version="1.0" encoding="utf-8"?>
 <clbl:labelList xmlns:clbl="http://schemas.microsoft.com/office/2020/mipLabelMetadata"/>
 </file>